--- a/assets/images/L3-rocket/L3_drawing.pptx
+++ b/assets/images/L3-rocket/L3_drawing.pptx
@@ -3189,9 +3189,9 @@
         <p:grpSpPr>
           <a:xfrm>
             <a:off x="764089" y="1390387"/>
-            <a:ext cx="3768898" cy="4310346"/>
+            <a:ext cx="3426176" cy="4310346"/>
             <a:chOff x="764089" y="1390387"/>
-            <a:chExt cx="3768898" cy="4310346"/>
+            <a:chExt cx="3426176" cy="4310346"/>
           </a:xfrm>
         </p:grpSpPr>
         <p:grpSp>
@@ -3417,9 +3417,9 @@
           <p:grpSpPr>
             <a:xfrm>
               <a:off x="2632811" y="1390387"/>
-              <a:ext cx="1900176" cy="4310346"/>
+              <a:ext cx="1557454" cy="4310346"/>
               <a:chOff x="2942194" y="1390386"/>
-              <a:chExt cx="1900176" cy="4310346"/>
+              <a:chExt cx="1557454" cy="4310346"/>
             </a:xfrm>
           </p:grpSpPr>
           <p:pic>
@@ -3483,7 +3483,7 @@
             </p:nvSpPr>
             <p:spPr>
               <a:xfrm>
-                <a:off x="3617190" y="4019906"/>
+                <a:off x="3442348" y="4620190"/>
                 <a:ext cx="962123" cy="215444"/>
               </a:xfrm>
               <a:prstGeom prst="rect">
@@ -3518,7 +3518,7 @@
             </p:nvSpPr>
             <p:spPr>
               <a:xfrm>
-                <a:off x="3962001" y="4553279"/>
+                <a:off x="3619279" y="3999280"/>
                 <a:ext cx="880369" cy="215444"/>
               </a:xfrm>
               <a:prstGeom prst="rect">
